--- a/webpages/pmks/images/figures.pptx
+++ b/webpages/pmks/images/figures.pptx
@@ -17,6 +17,11 @@
     <p:sldId id="265" r:id="rId11"/>
     <p:sldId id="266" r:id="rId12"/>
     <p:sldId id="267" r:id="rId13"/>
+    <p:sldId id="268" r:id="rId14"/>
+    <p:sldId id="270" r:id="rId15"/>
+    <p:sldId id="269" r:id="rId16"/>
+    <p:sldId id="271" r:id="rId17"/>
+    <p:sldId id="272" r:id="rId18"/>
   </p:sldIdLst>
   <p:sldSz cx="12192000" cy="6858000"/>
   <p:notesSz cx="6858000" cy="9144000"/>
@@ -254,7 +259,7 @@
           <a:p>
             <a:fld id="{E823C624-9284-4A87-8262-D7FD0E50FAEE}" type="datetimeFigureOut">
               <a:rPr lang="en-US" smtClean="0"/>
-              <a:t>4/1/2014</a:t>
+              <a:t>4/2/2014</a:t>
             </a:fld>
             <a:endParaRPr lang="en-US"/>
           </a:p>
@@ -424,7 +429,7 @@
           <a:p>
             <a:fld id="{E823C624-9284-4A87-8262-D7FD0E50FAEE}" type="datetimeFigureOut">
               <a:rPr lang="en-US" smtClean="0"/>
-              <a:t>4/1/2014</a:t>
+              <a:t>4/2/2014</a:t>
             </a:fld>
             <a:endParaRPr lang="en-US"/>
           </a:p>
@@ -604,7 +609,7 @@
           <a:p>
             <a:fld id="{E823C624-9284-4A87-8262-D7FD0E50FAEE}" type="datetimeFigureOut">
               <a:rPr lang="en-US" smtClean="0"/>
-              <a:t>4/1/2014</a:t>
+              <a:t>4/2/2014</a:t>
             </a:fld>
             <a:endParaRPr lang="en-US"/>
           </a:p>
@@ -774,7 +779,7 @@
           <a:p>
             <a:fld id="{E823C624-9284-4A87-8262-D7FD0E50FAEE}" type="datetimeFigureOut">
               <a:rPr lang="en-US" smtClean="0"/>
-              <a:t>4/1/2014</a:t>
+              <a:t>4/2/2014</a:t>
             </a:fld>
             <a:endParaRPr lang="en-US"/>
           </a:p>
@@ -1020,7 +1025,7 @@
           <a:p>
             <a:fld id="{E823C624-9284-4A87-8262-D7FD0E50FAEE}" type="datetimeFigureOut">
               <a:rPr lang="en-US" smtClean="0"/>
-              <a:t>4/1/2014</a:t>
+              <a:t>4/2/2014</a:t>
             </a:fld>
             <a:endParaRPr lang="en-US"/>
           </a:p>
@@ -1252,7 +1257,7 @@
           <a:p>
             <a:fld id="{E823C624-9284-4A87-8262-D7FD0E50FAEE}" type="datetimeFigureOut">
               <a:rPr lang="en-US" smtClean="0"/>
-              <a:t>4/1/2014</a:t>
+              <a:t>4/2/2014</a:t>
             </a:fld>
             <a:endParaRPr lang="en-US"/>
           </a:p>
@@ -1619,7 +1624,7 @@
           <a:p>
             <a:fld id="{E823C624-9284-4A87-8262-D7FD0E50FAEE}" type="datetimeFigureOut">
               <a:rPr lang="en-US" smtClean="0"/>
-              <a:t>4/1/2014</a:t>
+              <a:t>4/2/2014</a:t>
             </a:fld>
             <a:endParaRPr lang="en-US"/>
           </a:p>
@@ -1737,7 +1742,7 @@
           <a:p>
             <a:fld id="{E823C624-9284-4A87-8262-D7FD0E50FAEE}" type="datetimeFigureOut">
               <a:rPr lang="en-US" smtClean="0"/>
-              <a:t>4/1/2014</a:t>
+              <a:t>4/2/2014</a:t>
             </a:fld>
             <a:endParaRPr lang="en-US"/>
           </a:p>
@@ -1832,7 +1837,7 @@
           <a:p>
             <a:fld id="{E823C624-9284-4A87-8262-D7FD0E50FAEE}" type="datetimeFigureOut">
               <a:rPr lang="en-US" smtClean="0"/>
-              <a:t>4/1/2014</a:t>
+              <a:t>4/2/2014</a:t>
             </a:fld>
             <a:endParaRPr lang="en-US"/>
           </a:p>
@@ -2109,7 +2114,7 @@
           <a:p>
             <a:fld id="{E823C624-9284-4A87-8262-D7FD0E50FAEE}" type="datetimeFigureOut">
               <a:rPr lang="en-US" smtClean="0"/>
-              <a:t>4/1/2014</a:t>
+              <a:t>4/2/2014</a:t>
             </a:fld>
             <a:endParaRPr lang="en-US"/>
           </a:p>
@@ -2362,7 +2367,7 @@
           <a:p>
             <a:fld id="{E823C624-9284-4A87-8262-D7FD0E50FAEE}" type="datetimeFigureOut">
               <a:rPr lang="en-US" smtClean="0"/>
-              <a:t>4/1/2014</a:t>
+              <a:t>4/2/2014</a:t>
             </a:fld>
             <a:endParaRPr lang="en-US"/>
           </a:p>
@@ -2575,7 +2580,7 @@
           <a:p>
             <a:fld id="{E823C624-9284-4A87-8262-D7FD0E50FAEE}" type="datetimeFigureOut">
               <a:rPr lang="en-US" smtClean="0"/>
-              <a:t>4/1/2014</a:t>
+              <a:t>4/2/2014</a:t>
             </a:fld>
             <a:endParaRPr lang="en-US"/>
           </a:p>
@@ -3969,6 +3974,1454 @@
     <p:extLst>
       <p:ext uri="{BB962C8B-B14F-4D97-AF65-F5344CB8AC3E}">
         <p14:creationId xmlns:p14="http://schemas.microsoft.com/office/powerpoint/2010/main" val="2095865465"/>
+      </p:ext>
+    </p:extLst>
+  </p:cSld>
+  <p:clrMapOvr>
+    <a:masterClrMapping/>
+  </p:clrMapOvr>
+</p:sld>
+</file>
+
+<file path=ppt/slides/slide13.xml><?xml version="1.0" encoding="utf-8"?>
+<p:sld xmlns:a="http://schemas.openxmlformats.org/drawingml/2006/main" xmlns:r="http://schemas.openxmlformats.org/officeDocument/2006/relationships" xmlns:p="http://schemas.openxmlformats.org/presentationml/2006/main">
+  <p:cSld>
+    <p:spTree>
+      <p:nvGrpSpPr>
+        <p:cNvPr id="1" name=""/>
+        <p:cNvGrpSpPr/>
+        <p:nvPr/>
+      </p:nvGrpSpPr>
+      <p:grpSpPr>
+        <a:xfrm>
+          <a:off x="0" y="0"/>
+          <a:ext cx="0" cy="0"/>
+          <a:chOff x="0" y="0"/>
+          <a:chExt cx="0" cy="0"/>
+        </a:xfrm>
+      </p:grpSpPr>
+      <p:pic>
+        <p:nvPicPr>
+          <p:cNvPr id="2" name="Picture 1"/>
+          <p:cNvPicPr>
+            <a:picLocks noChangeAspect="1"/>
+          </p:cNvPicPr>
+          <p:nvPr/>
+        </p:nvPicPr>
+        <p:blipFill rotWithShape="1">
+          <a:blip r:embed="rId2"/>
+          <a:srcRect l="731" t="6020" r="45606" b="87240"/>
+          <a:stretch/>
+        </p:blipFill>
+        <p:spPr>
+          <a:xfrm>
+            <a:off x="1364343" y="2554514"/>
+            <a:ext cx="6133738" cy="1001486"/>
+          </a:xfrm>
+          <a:prstGeom prst="rect">
+            <a:avLst/>
+          </a:prstGeom>
+        </p:spPr>
+      </p:pic>
+      <p:sp>
+        <p:nvSpPr>
+          <p:cNvPr id="6" name="Freeform 5"/>
+          <p:cNvSpPr/>
+          <p:nvPr/>
+        </p:nvSpPr>
+        <p:spPr>
+          <a:xfrm>
+            <a:off x="1310640" y="2453640"/>
+            <a:ext cx="6263640" cy="1196340"/>
+          </a:xfrm>
+          <a:custGeom>
+            <a:avLst/>
+            <a:gdLst>
+              <a:gd name="connsiteX0" fmla="*/ 3038475 w 6263640"/>
+              <a:gd name="connsiteY0" fmla="*/ 91914 h 1196340"/>
+              <a:gd name="connsiteX1" fmla="*/ 2293620 w 6263640"/>
+              <a:gd name="connsiteY1" fmla="*/ 121918 h 1196340"/>
+              <a:gd name="connsiteX2" fmla="*/ 2004060 w 6263640"/>
+              <a:gd name="connsiteY2" fmla="*/ 434338 h 1196340"/>
+              <a:gd name="connsiteX3" fmla="*/ 815340 w 6263640"/>
+              <a:gd name="connsiteY3" fmla="*/ 434338 h 1196340"/>
+              <a:gd name="connsiteX4" fmla="*/ 739140 w 6263640"/>
+              <a:gd name="connsiteY4" fmla="*/ 693418 h 1196340"/>
+              <a:gd name="connsiteX5" fmla="*/ 4572000 w 6263640"/>
+              <a:gd name="connsiteY5" fmla="*/ 678178 h 1196340"/>
+              <a:gd name="connsiteX6" fmla="*/ 4526280 w 6263640"/>
+              <a:gd name="connsiteY6" fmla="*/ 457198 h 1196340"/>
+              <a:gd name="connsiteX7" fmla="*/ 3901440 w 6263640"/>
+              <a:gd name="connsiteY7" fmla="*/ 426718 h 1196340"/>
+              <a:gd name="connsiteX8" fmla="*/ 3764280 w 6263640"/>
+              <a:gd name="connsiteY8" fmla="*/ 137158 h 1196340"/>
+              <a:gd name="connsiteX9" fmla="*/ 3038475 w 6263640"/>
+              <a:gd name="connsiteY9" fmla="*/ 91914 h 1196340"/>
+              <a:gd name="connsiteX10" fmla="*/ 0 w 6263640"/>
+              <a:gd name="connsiteY10" fmla="*/ 0 h 1196340"/>
+              <a:gd name="connsiteX11" fmla="*/ 6263640 w 6263640"/>
+              <a:gd name="connsiteY11" fmla="*/ 0 h 1196340"/>
+              <a:gd name="connsiteX12" fmla="*/ 6263640 w 6263640"/>
+              <a:gd name="connsiteY12" fmla="*/ 1196340 h 1196340"/>
+              <a:gd name="connsiteX13" fmla="*/ 0 w 6263640"/>
+              <a:gd name="connsiteY13" fmla="*/ 1196340 h 1196340"/>
+            </a:gdLst>
+            <a:ahLst/>
+            <a:cxnLst>
+              <a:cxn ang="0">
+                <a:pos x="connsiteX0" y="connsiteY0"/>
+              </a:cxn>
+              <a:cxn ang="0">
+                <a:pos x="connsiteX1" y="connsiteY1"/>
+              </a:cxn>
+              <a:cxn ang="0">
+                <a:pos x="connsiteX2" y="connsiteY2"/>
+              </a:cxn>
+              <a:cxn ang="0">
+                <a:pos x="connsiteX3" y="connsiteY3"/>
+              </a:cxn>
+              <a:cxn ang="0">
+                <a:pos x="connsiteX4" y="connsiteY4"/>
+              </a:cxn>
+              <a:cxn ang="0">
+                <a:pos x="connsiteX5" y="connsiteY5"/>
+              </a:cxn>
+              <a:cxn ang="0">
+                <a:pos x="connsiteX6" y="connsiteY6"/>
+              </a:cxn>
+              <a:cxn ang="0">
+                <a:pos x="connsiteX7" y="connsiteY7"/>
+              </a:cxn>
+              <a:cxn ang="0">
+                <a:pos x="connsiteX8" y="connsiteY8"/>
+              </a:cxn>
+              <a:cxn ang="0">
+                <a:pos x="connsiteX9" y="connsiteY9"/>
+              </a:cxn>
+              <a:cxn ang="0">
+                <a:pos x="connsiteX10" y="connsiteY10"/>
+              </a:cxn>
+              <a:cxn ang="0">
+                <a:pos x="connsiteX11" y="connsiteY11"/>
+              </a:cxn>
+              <a:cxn ang="0">
+                <a:pos x="connsiteX12" y="connsiteY12"/>
+              </a:cxn>
+              <a:cxn ang="0">
+                <a:pos x="connsiteX13" y="connsiteY13"/>
+              </a:cxn>
+            </a:cxnLst>
+            <a:rect l="l" t="t" r="r" b="b"/>
+            <a:pathLst>
+              <a:path w="6263640" h="1196340">
+                <a:moveTo>
+                  <a:pt x="3038475" y="91914"/>
+                </a:moveTo>
+                <a:cubicBezTo>
+                  <a:pt x="2740978" y="88263"/>
+                  <a:pt x="2440305" y="97153"/>
+                  <a:pt x="2293620" y="121918"/>
+                </a:cubicBezTo>
+                <a:cubicBezTo>
+                  <a:pt x="2000250" y="171448"/>
+                  <a:pt x="2250440" y="382268"/>
+                  <a:pt x="2004060" y="434338"/>
+                </a:cubicBezTo>
+                <a:cubicBezTo>
+                  <a:pt x="1757680" y="486408"/>
+                  <a:pt x="995680" y="436878"/>
+                  <a:pt x="815340" y="434338"/>
+                </a:cubicBezTo>
+                <a:cubicBezTo>
+                  <a:pt x="635000" y="431798"/>
+                  <a:pt x="455930" y="690878"/>
+                  <a:pt x="739140" y="693418"/>
+                </a:cubicBezTo>
+                <a:cubicBezTo>
+                  <a:pt x="1022350" y="695958"/>
+                  <a:pt x="3937000" y="708658"/>
+                  <a:pt x="4572000" y="678178"/>
+                </a:cubicBezTo>
+                <a:cubicBezTo>
+                  <a:pt x="4758690" y="666748"/>
+                  <a:pt x="4676140" y="453388"/>
+                  <a:pt x="4526280" y="457198"/>
+                </a:cubicBezTo>
+                <a:cubicBezTo>
+                  <a:pt x="4376420" y="461008"/>
+                  <a:pt x="4028440" y="480058"/>
+                  <a:pt x="3901440" y="426718"/>
+                </a:cubicBezTo>
+                <a:cubicBezTo>
+                  <a:pt x="3774440" y="373378"/>
+                  <a:pt x="4032250" y="187958"/>
+                  <a:pt x="3764280" y="137158"/>
+                </a:cubicBezTo>
+                <a:cubicBezTo>
+                  <a:pt x="3630295" y="111758"/>
+                  <a:pt x="3335973" y="95566"/>
+                  <a:pt x="3038475" y="91914"/>
+                </a:cubicBezTo>
+                <a:close/>
+                <a:moveTo>
+                  <a:pt x="0" y="0"/>
+                </a:moveTo>
+                <a:lnTo>
+                  <a:pt x="6263640" y="0"/>
+                </a:lnTo>
+                <a:lnTo>
+                  <a:pt x="6263640" y="1196340"/>
+                </a:lnTo>
+                <a:lnTo>
+                  <a:pt x="0" y="1196340"/>
+                </a:lnTo>
+                <a:close/>
+              </a:path>
+            </a:pathLst>
+          </a:custGeom>
+          <a:solidFill>
+            <a:schemeClr val="bg1">
+              <a:lumMod val="75000"/>
+              <a:alpha val="48000"/>
+            </a:schemeClr>
+          </a:solidFill>
+          <a:ln>
+            <a:noFill/>
+          </a:ln>
+        </p:spPr>
+        <p:style>
+          <a:lnRef idx="2">
+            <a:schemeClr val="accent1">
+              <a:shade val="50000"/>
+            </a:schemeClr>
+          </a:lnRef>
+          <a:fillRef idx="1">
+            <a:schemeClr val="accent1"/>
+          </a:fillRef>
+          <a:effectRef idx="0">
+            <a:schemeClr val="accent1"/>
+          </a:effectRef>
+          <a:fontRef idx="minor">
+            <a:schemeClr val="lt1"/>
+          </a:fontRef>
+        </p:style>
+        <p:txBody>
+          <a:bodyPr rtlCol="0" anchor="ctr"/>
+          <a:lstStyle/>
+          <a:p>
+            <a:pPr algn="ctr"/>
+            <a:endParaRPr lang="en-US"/>
+          </a:p>
+        </p:txBody>
+      </p:sp>
+      <p:sp>
+        <p:nvSpPr>
+          <p:cNvPr id="3" name="Freeform 2"/>
+          <p:cNvSpPr/>
+          <p:nvPr/>
+        </p:nvSpPr>
+        <p:spPr>
+          <a:xfrm>
+            <a:off x="1901877" y="2544766"/>
+            <a:ext cx="4088531" cy="607073"/>
+          </a:xfrm>
+          <a:custGeom>
+            <a:avLst/>
+            <a:gdLst>
+              <a:gd name="connsiteX0" fmla="*/ 98693 w 4331226"/>
+              <a:gd name="connsiteY0" fmla="*/ 447647 h 703395"/>
+              <a:gd name="connsiteX1" fmla="*/ 228233 w 4331226"/>
+              <a:gd name="connsiteY1" fmla="*/ 287627 h 703395"/>
+              <a:gd name="connsiteX2" fmla="*/ 1523633 w 4331226"/>
+              <a:gd name="connsiteY2" fmla="*/ 295247 h 703395"/>
+              <a:gd name="connsiteX3" fmla="*/ 1866533 w 4331226"/>
+              <a:gd name="connsiteY3" fmla="*/ 5687 h 703395"/>
+              <a:gd name="connsiteX4" fmla="*/ 3405773 w 4331226"/>
+              <a:gd name="connsiteY4" fmla="*/ 119987 h 703395"/>
+              <a:gd name="connsiteX5" fmla="*/ 3451493 w 4331226"/>
+              <a:gd name="connsiteY5" fmla="*/ 325727 h 703395"/>
+              <a:gd name="connsiteX6" fmla="*/ 4091573 w 4331226"/>
+              <a:gd name="connsiteY6" fmla="*/ 379067 h 703395"/>
+              <a:gd name="connsiteX7" fmla="*/ 4099193 w 4331226"/>
+              <a:gd name="connsiteY7" fmla="*/ 668627 h 703395"/>
+              <a:gd name="connsiteX8" fmla="*/ 1279793 w 4331226"/>
+              <a:gd name="connsiteY8" fmla="*/ 676247 h 703395"/>
+              <a:gd name="connsiteX9" fmla="*/ 98693 w 4331226"/>
+              <a:gd name="connsiteY9" fmla="*/ 447647 h 703395"/>
+              <a:gd name="connsiteX0" fmla="*/ 98693 w 4331226"/>
+              <a:gd name="connsiteY0" fmla="*/ 484674 h 740422"/>
+              <a:gd name="connsiteX1" fmla="*/ 228233 w 4331226"/>
+              <a:gd name="connsiteY1" fmla="*/ 324654 h 740422"/>
+              <a:gd name="connsiteX2" fmla="*/ 1523633 w 4331226"/>
+              <a:gd name="connsiteY2" fmla="*/ 332274 h 740422"/>
+              <a:gd name="connsiteX3" fmla="*/ 1866533 w 4331226"/>
+              <a:gd name="connsiteY3" fmla="*/ 42714 h 740422"/>
+              <a:gd name="connsiteX4" fmla="*/ 3283853 w 4331226"/>
+              <a:gd name="connsiteY4" fmla="*/ 35094 h 740422"/>
+              <a:gd name="connsiteX5" fmla="*/ 3451493 w 4331226"/>
+              <a:gd name="connsiteY5" fmla="*/ 362754 h 740422"/>
+              <a:gd name="connsiteX6" fmla="*/ 4091573 w 4331226"/>
+              <a:gd name="connsiteY6" fmla="*/ 416094 h 740422"/>
+              <a:gd name="connsiteX7" fmla="*/ 4099193 w 4331226"/>
+              <a:gd name="connsiteY7" fmla="*/ 705654 h 740422"/>
+              <a:gd name="connsiteX8" fmla="*/ 1279793 w 4331226"/>
+              <a:gd name="connsiteY8" fmla="*/ 713274 h 740422"/>
+              <a:gd name="connsiteX9" fmla="*/ 98693 w 4331226"/>
+              <a:gd name="connsiteY9" fmla="*/ 484674 h 740422"/>
+              <a:gd name="connsiteX0" fmla="*/ 98693 w 4331226"/>
+              <a:gd name="connsiteY0" fmla="*/ 497663 h 753411"/>
+              <a:gd name="connsiteX1" fmla="*/ 228233 w 4331226"/>
+              <a:gd name="connsiteY1" fmla="*/ 337643 h 753411"/>
+              <a:gd name="connsiteX2" fmla="*/ 1523633 w 4331226"/>
+              <a:gd name="connsiteY2" fmla="*/ 345263 h 753411"/>
+              <a:gd name="connsiteX3" fmla="*/ 1813193 w 4331226"/>
+              <a:gd name="connsiteY3" fmla="*/ 32843 h 753411"/>
+              <a:gd name="connsiteX4" fmla="*/ 3283853 w 4331226"/>
+              <a:gd name="connsiteY4" fmla="*/ 48083 h 753411"/>
+              <a:gd name="connsiteX5" fmla="*/ 3451493 w 4331226"/>
+              <a:gd name="connsiteY5" fmla="*/ 375743 h 753411"/>
+              <a:gd name="connsiteX6" fmla="*/ 4091573 w 4331226"/>
+              <a:gd name="connsiteY6" fmla="*/ 429083 h 753411"/>
+              <a:gd name="connsiteX7" fmla="*/ 4099193 w 4331226"/>
+              <a:gd name="connsiteY7" fmla="*/ 718643 h 753411"/>
+              <a:gd name="connsiteX8" fmla="*/ 1279793 w 4331226"/>
+              <a:gd name="connsiteY8" fmla="*/ 726263 h 753411"/>
+              <a:gd name="connsiteX9" fmla="*/ 98693 w 4331226"/>
+              <a:gd name="connsiteY9" fmla="*/ 497663 h 753411"/>
+              <a:gd name="connsiteX0" fmla="*/ 174581 w 4224234"/>
+              <a:gd name="connsiteY0" fmla="*/ 611963 h 748057"/>
+              <a:gd name="connsiteX1" fmla="*/ 121241 w 4224234"/>
+              <a:gd name="connsiteY1" fmla="*/ 337643 h 748057"/>
+              <a:gd name="connsiteX2" fmla="*/ 1416641 w 4224234"/>
+              <a:gd name="connsiteY2" fmla="*/ 345263 h 748057"/>
+              <a:gd name="connsiteX3" fmla="*/ 1706201 w 4224234"/>
+              <a:gd name="connsiteY3" fmla="*/ 32843 h 748057"/>
+              <a:gd name="connsiteX4" fmla="*/ 3176861 w 4224234"/>
+              <a:gd name="connsiteY4" fmla="*/ 48083 h 748057"/>
+              <a:gd name="connsiteX5" fmla="*/ 3344501 w 4224234"/>
+              <a:gd name="connsiteY5" fmla="*/ 375743 h 748057"/>
+              <a:gd name="connsiteX6" fmla="*/ 3984581 w 4224234"/>
+              <a:gd name="connsiteY6" fmla="*/ 429083 h 748057"/>
+              <a:gd name="connsiteX7" fmla="*/ 3992201 w 4224234"/>
+              <a:gd name="connsiteY7" fmla="*/ 718643 h 748057"/>
+              <a:gd name="connsiteX8" fmla="*/ 1172801 w 4224234"/>
+              <a:gd name="connsiteY8" fmla="*/ 726263 h 748057"/>
+              <a:gd name="connsiteX9" fmla="*/ 174581 w 4224234"/>
+              <a:gd name="connsiteY9" fmla="*/ 611963 h 748057"/>
+              <a:gd name="connsiteX0" fmla="*/ 357391 w 4407044"/>
+              <a:gd name="connsiteY0" fmla="*/ 611963 h 725743"/>
+              <a:gd name="connsiteX1" fmla="*/ 304051 w 4407044"/>
+              <a:gd name="connsiteY1" fmla="*/ 337643 h 725743"/>
+              <a:gd name="connsiteX2" fmla="*/ 1599451 w 4407044"/>
+              <a:gd name="connsiteY2" fmla="*/ 345263 h 725743"/>
+              <a:gd name="connsiteX3" fmla="*/ 1889011 w 4407044"/>
+              <a:gd name="connsiteY3" fmla="*/ 32843 h 725743"/>
+              <a:gd name="connsiteX4" fmla="*/ 3359671 w 4407044"/>
+              <a:gd name="connsiteY4" fmla="*/ 48083 h 725743"/>
+              <a:gd name="connsiteX5" fmla="*/ 3527311 w 4407044"/>
+              <a:gd name="connsiteY5" fmla="*/ 375743 h 725743"/>
+              <a:gd name="connsiteX6" fmla="*/ 4167391 w 4407044"/>
+              <a:gd name="connsiteY6" fmla="*/ 429083 h 725743"/>
+              <a:gd name="connsiteX7" fmla="*/ 4175011 w 4407044"/>
+              <a:gd name="connsiteY7" fmla="*/ 718643 h 725743"/>
+              <a:gd name="connsiteX8" fmla="*/ 357391 w 4407044"/>
+              <a:gd name="connsiteY8" fmla="*/ 611963 h 725743"/>
+              <a:gd name="connsiteX0" fmla="*/ 356851 w 4400925"/>
+              <a:gd name="connsiteY0" fmla="*/ 611963 h 631436"/>
+              <a:gd name="connsiteX1" fmla="*/ 303511 w 4400925"/>
+              <a:gd name="connsiteY1" fmla="*/ 337643 h 631436"/>
+              <a:gd name="connsiteX2" fmla="*/ 1598911 w 4400925"/>
+              <a:gd name="connsiteY2" fmla="*/ 345263 h 631436"/>
+              <a:gd name="connsiteX3" fmla="*/ 1888471 w 4400925"/>
+              <a:gd name="connsiteY3" fmla="*/ 32843 h 631436"/>
+              <a:gd name="connsiteX4" fmla="*/ 3359131 w 4400925"/>
+              <a:gd name="connsiteY4" fmla="*/ 48083 h 631436"/>
+              <a:gd name="connsiteX5" fmla="*/ 3526771 w 4400925"/>
+              <a:gd name="connsiteY5" fmla="*/ 375743 h 631436"/>
+              <a:gd name="connsiteX6" fmla="*/ 4166851 w 4400925"/>
+              <a:gd name="connsiteY6" fmla="*/ 429083 h 631436"/>
+              <a:gd name="connsiteX7" fmla="*/ 4166851 w 4400925"/>
+              <a:gd name="connsiteY7" fmla="*/ 589103 h 631436"/>
+              <a:gd name="connsiteX8" fmla="*/ 356851 w 4400925"/>
+              <a:gd name="connsiteY8" fmla="*/ 611963 h 631436"/>
+              <a:gd name="connsiteX0" fmla="*/ 356851 w 4402259"/>
+              <a:gd name="connsiteY0" fmla="*/ 609912 h 629385"/>
+              <a:gd name="connsiteX1" fmla="*/ 303511 w 4402259"/>
+              <a:gd name="connsiteY1" fmla="*/ 335592 h 629385"/>
+              <a:gd name="connsiteX2" fmla="*/ 1598911 w 4402259"/>
+              <a:gd name="connsiteY2" fmla="*/ 343212 h 629385"/>
+              <a:gd name="connsiteX3" fmla="*/ 1888471 w 4402259"/>
+              <a:gd name="connsiteY3" fmla="*/ 30792 h 629385"/>
+              <a:gd name="connsiteX4" fmla="*/ 3359131 w 4402259"/>
+              <a:gd name="connsiteY4" fmla="*/ 46032 h 629385"/>
+              <a:gd name="connsiteX5" fmla="*/ 3496291 w 4402259"/>
+              <a:gd name="connsiteY5" fmla="*/ 335592 h 629385"/>
+              <a:gd name="connsiteX6" fmla="*/ 4166851 w 4402259"/>
+              <a:gd name="connsiteY6" fmla="*/ 427032 h 629385"/>
+              <a:gd name="connsiteX7" fmla="*/ 4166851 w 4402259"/>
+              <a:gd name="connsiteY7" fmla="*/ 587052 h 629385"/>
+              <a:gd name="connsiteX8" fmla="*/ 356851 w 4402259"/>
+              <a:gd name="connsiteY8" fmla="*/ 609912 h 629385"/>
+              <a:gd name="connsiteX0" fmla="*/ 356851 w 4388564"/>
+              <a:gd name="connsiteY0" fmla="*/ 609912 h 629385"/>
+              <a:gd name="connsiteX1" fmla="*/ 303511 w 4388564"/>
+              <a:gd name="connsiteY1" fmla="*/ 335592 h 629385"/>
+              <a:gd name="connsiteX2" fmla="*/ 1598911 w 4388564"/>
+              <a:gd name="connsiteY2" fmla="*/ 343212 h 629385"/>
+              <a:gd name="connsiteX3" fmla="*/ 1888471 w 4388564"/>
+              <a:gd name="connsiteY3" fmla="*/ 30792 h 629385"/>
+              <a:gd name="connsiteX4" fmla="*/ 3359131 w 4388564"/>
+              <a:gd name="connsiteY4" fmla="*/ 46032 h 629385"/>
+              <a:gd name="connsiteX5" fmla="*/ 3496291 w 4388564"/>
+              <a:gd name="connsiteY5" fmla="*/ 335592 h 629385"/>
+              <a:gd name="connsiteX6" fmla="*/ 4121131 w 4388564"/>
+              <a:gd name="connsiteY6" fmla="*/ 366072 h 629385"/>
+              <a:gd name="connsiteX7" fmla="*/ 4166851 w 4388564"/>
+              <a:gd name="connsiteY7" fmla="*/ 587052 h 629385"/>
+              <a:gd name="connsiteX8" fmla="*/ 356851 w 4388564"/>
+              <a:gd name="connsiteY8" fmla="*/ 609912 h 629385"/>
+              <a:gd name="connsiteX0" fmla="*/ 356851 w 4379674"/>
+              <a:gd name="connsiteY0" fmla="*/ 609912 h 629385"/>
+              <a:gd name="connsiteX1" fmla="*/ 303511 w 4379674"/>
+              <a:gd name="connsiteY1" fmla="*/ 335592 h 629385"/>
+              <a:gd name="connsiteX2" fmla="*/ 1598911 w 4379674"/>
+              <a:gd name="connsiteY2" fmla="*/ 343212 h 629385"/>
+              <a:gd name="connsiteX3" fmla="*/ 1888471 w 4379674"/>
+              <a:gd name="connsiteY3" fmla="*/ 30792 h 629385"/>
+              <a:gd name="connsiteX4" fmla="*/ 3359131 w 4379674"/>
+              <a:gd name="connsiteY4" fmla="*/ 46032 h 629385"/>
+              <a:gd name="connsiteX5" fmla="*/ 3496291 w 4379674"/>
+              <a:gd name="connsiteY5" fmla="*/ 335592 h 629385"/>
+              <a:gd name="connsiteX6" fmla="*/ 4121131 w 4379674"/>
+              <a:gd name="connsiteY6" fmla="*/ 366072 h 629385"/>
+              <a:gd name="connsiteX7" fmla="*/ 4166851 w 4379674"/>
+              <a:gd name="connsiteY7" fmla="*/ 587052 h 629385"/>
+              <a:gd name="connsiteX8" fmla="*/ 356851 w 4379674"/>
+              <a:gd name="connsiteY8" fmla="*/ 609912 h 629385"/>
+              <a:gd name="connsiteX0" fmla="*/ 356851 w 4254406"/>
+              <a:gd name="connsiteY0" fmla="*/ 609912 h 629385"/>
+              <a:gd name="connsiteX1" fmla="*/ 303511 w 4254406"/>
+              <a:gd name="connsiteY1" fmla="*/ 335592 h 629385"/>
+              <a:gd name="connsiteX2" fmla="*/ 1598911 w 4254406"/>
+              <a:gd name="connsiteY2" fmla="*/ 343212 h 629385"/>
+              <a:gd name="connsiteX3" fmla="*/ 1888471 w 4254406"/>
+              <a:gd name="connsiteY3" fmla="*/ 30792 h 629385"/>
+              <a:gd name="connsiteX4" fmla="*/ 3359131 w 4254406"/>
+              <a:gd name="connsiteY4" fmla="*/ 46032 h 629385"/>
+              <a:gd name="connsiteX5" fmla="*/ 3496291 w 4254406"/>
+              <a:gd name="connsiteY5" fmla="*/ 335592 h 629385"/>
+              <a:gd name="connsiteX6" fmla="*/ 4121131 w 4254406"/>
+              <a:gd name="connsiteY6" fmla="*/ 366072 h 629385"/>
+              <a:gd name="connsiteX7" fmla="*/ 4166851 w 4254406"/>
+              <a:gd name="connsiteY7" fmla="*/ 587052 h 629385"/>
+              <a:gd name="connsiteX8" fmla="*/ 356851 w 4254406"/>
+              <a:gd name="connsiteY8" fmla="*/ 609912 h 629385"/>
+              <a:gd name="connsiteX0" fmla="*/ 356851 w 4274619"/>
+              <a:gd name="connsiteY0" fmla="*/ 609912 h 629385"/>
+              <a:gd name="connsiteX1" fmla="*/ 303511 w 4274619"/>
+              <a:gd name="connsiteY1" fmla="*/ 335592 h 629385"/>
+              <a:gd name="connsiteX2" fmla="*/ 1598911 w 4274619"/>
+              <a:gd name="connsiteY2" fmla="*/ 343212 h 629385"/>
+              <a:gd name="connsiteX3" fmla="*/ 1888471 w 4274619"/>
+              <a:gd name="connsiteY3" fmla="*/ 30792 h 629385"/>
+              <a:gd name="connsiteX4" fmla="*/ 3359131 w 4274619"/>
+              <a:gd name="connsiteY4" fmla="*/ 46032 h 629385"/>
+              <a:gd name="connsiteX5" fmla="*/ 3496291 w 4274619"/>
+              <a:gd name="connsiteY5" fmla="*/ 335592 h 629385"/>
+              <a:gd name="connsiteX6" fmla="*/ 4121131 w 4274619"/>
+              <a:gd name="connsiteY6" fmla="*/ 366072 h 629385"/>
+              <a:gd name="connsiteX7" fmla="*/ 4166851 w 4274619"/>
+              <a:gd name="connsiteY7" fmla="*/ 587052 h 629385"/>
+              <a:gd name="connsiteX8" fmla="*/ 356851 w 4274619"/>
+              <a:gd name="connsiteY8" fmla="*/ 609912 h 629385"/>
+              <a:gd name="connsiteX0" fmla="*/ 272379 w 4190147"/>
+              <a:gd name="connsiteY0" fmla="*/ 609912 h 628820"/>
+              <a:gd name="connsiteX1" fmla="*/ 440019 w 4190147"/>
+              <a:gd name="connsiteY1" fmla="*/ 343212 h 628820"/>
+              <a:gd name="connsiteX2" fmla="*/ 1514439 w 4190147"/>
+              <a:gd name="connsiteY2" fmla="*/ 343212 h 628820"/>
+              <a:gd name="connsiteX3" fmla="*/ 1803999 w 4190147"/>
+              <a:gd name="connsiteY3" fmla="*/ 30792 h 628820"/>
+              <a:gd name="connsiteX4" fmla="*/ 3274659 w 4190147"/>
+              <a:gd name="connsiteY4" fmla="*/ 46032 h 628820"/>
+              <a:gd name="connsiteX5" fmla="*/ 3411819 w 4190147"/>
+              <a:gd name="connsiteY5" fmla="*/ 335592 h 628820"/>
+              <a:gd name="connsiteX6" fmla="*/ 4036659 w 4190147"/>
+              <a:gd name="connsiteY6" fmla="*/ 366072 h 628820"/>
+              <a:gd name="connsiteX7" fmla="*/ 4082379 w 4190147"/>
+              <a:gd name="connsiteY7" fmla="*/ 587052 h 628820"/>
+              <a:gd name="connsiteX8" fmla="*/ 272379 w 4190147"/>
+              <a:gd name="connsiteY8" fmla="*/ 609912 h 628820"/>
+              <a:gd name="connsiteX0" fmla="*/ 250494 w 4168262"/>
+              <a:gd name="connsiteY0" fmla="*/ 609912 h 628820"/>
+              <a:gd name="connsiteX1" fmla="*/ 418134 w 4168262"/>
+              <a:gd name="connsiteY1" fmla="*/ 343212 h 628820"/>
+              <a:gd name="connsiteX2" fmla="*/ 1492554 w 4168262"/>
+              <a:gd name="connsiteY2" fmla="*/ 343212 h 628820"/>
+              <a:gd name="connsiteX3" fmla="*/ 1782114 w 4168262"/>
+              <a:gd name="connsiteY3" fmla="*/ 30792 h 628820"/>
+              <a:gd name="connsiteX4" fmla="*/ 3252774 w 4168262"/>
+              <a:gd name="connsiteY4" fmla="*/ 46032 h 628820"/>
+              <a:gd name="connsiteX5" fmla="*/ 3389934 w 4168262"/>
+              <a:gd name="connsiteY5" fmla="*/ 335592 h 628820"/>
+              <a:gd name="connsiteX6" fmla="*/ 4014774 w 4168262"/>
+              <a:gd name="connsiteY6" fmla="*/ 366072 h 628820"/>
+              <a:gd name="connsiteX7" fmla="*/ 4060494 w 4168262"/>
+              <a:gd name="connsiteY7" fmla="*/ 587052 h 628820"/>
+              <a:gd name="connsiteX8" fmla="*/ 250494 w 4168262"/>
+              <a:gd name="connsiteY8" fmla="*/ 609912 h 628820"/>
+              <a:gd name="connsiteX0" fmla="*/ 378897 w 3938525"/>
+              <a:gd name="connsiteY0" fmla="*/ 602292 h 623367"/>
+              <a:gd name="connsiteX1" fmla="*/ 188397 w 3938525"/>
+              <a:gd name="connsiteY1" fmla="*/ 343212 h 623367"/>
+              <a:gd name="connsiteX2" fmla="*/ 1262817 w 3938525"/>
+              <a:gd name="connsiteY2" fmla="*/ 343212 h 623367"/>
+              <a:gd name="connsiteX3" fmla="*/ 1552377 w 3938525"/>
+              <a:gd name="connsiteY3" fmla="*/ 30792 h 623367"/>
+              <a:gd name="connsiteX4" fmla="*/ 3023037 w 3938525"/>
+              <a:gd name="connsiteY4" fmla="*/ 46032 h 623367"/>
+              <a:gd name="connsiteX5" fmla="*/ 3160197 w 3938525"/>
+              <a:gd name="connsiteY5" fmla="*/ 335592 h 623367"/>
+              <a:gd name="connsiteX6" fmla="*/ 3785037 w 3938525"/>
+              <a:gd name="connsiteY6" fmla="*/ 366072 h 623367"/>
+              <a:gd name="connsiteX7" fmla="*/ 3830757 w 3938525"/>
+              <a:gd name="connsiteY7" fmla="*/ 587052 h 623367"/>
+              <a:gd name="connsiteX8" fmla="*/ 378897 w 3938525"/>
+              <a:gd name="connsiteY8" fmla="*/ 602292 h 623367"/>
+              <a:gd name="connsiteX0" fmla="*/ 245123 w 3804751"/>
+              <a:gd name="connsiteY0" fmla="*/ 602292 h 607073"/>
+              <a:gd name="connsiteX1" fmla="*/ 54623 w 3804751"/>
+              <a:gd name="connsiteY1" fmla="*/ 343212 h 607073"/>
+              <a:gd name="connsiteX2" fmla="*/ 1129043 w 3804751"/>
+              <a:gd name="connsiteY2" fmla="*/ 343212 h 607073"/>
+              <a:gd name="connsiteX3" fmla="*/ 1418603 w 3804751"/>
+              <a:gd name="connsiteY3" fmla="*/ 30792 h 607073"/>
+              <a:gd name="connsiteX4" fmla="*/ 2889263 w 3804751"/>
+              <a:gd name="connsiteY4" fmla="*/ 46032 h 607073"/>
+              <a:gd name="connsiteX5" fmla="*/ 3026423 w 3804751"/>
+              <a:gd name="connsiteY5" fmla="*/ 335592 h 607073"/>
+              <a:gd name="connsiteX6" fmla="*/ 3651263 w 3804751"/>
+              <a:gd name="connsiteY6" fmla="*/ 366072 h 607073"/>
+              <a:gd name="connsiteX7" fmla="*/ 3696983 w 3804751"/>
+              <a:gd name="connsiteY7" fmla="*/ 587052 h 607073"/>
+              <a:gd name="connsiteX8" fmla="*/ 245123 w 3804751"/>
+              <a:gd name="connsiteY8" fmla="*/ 602292 h 607073"/>
+              <a:gd name="connsiteX0" fmla="*/ 66755 w 4015003"/>
+              <a:gd name="connsiteY0" fmla="*/ 594672 h 603654"/>
+              <a:gd name="connsiteX1" fmla="*/ 264875 w 4015003"/>
+              <a:gd name="connsiteY1" fmla="*/ 343212 h 603654"/>
+              <a:gd name="connsiteX2" fmla="*/ 1339295 w 4015003"/>
+              <a:gd name="connsiteY2" fmla="*/ 343212 h 603654"/>
+              <a:gd name="connsiteX3" fmla="*/ 1628855 w 4015003"/>
+              <a:gd name="connsiteY3" fmla="*/ 30792 h 603654"/>
+              <a:gd name="connsiteX4" fmla="*/ 3099515 w 4015003"/>
+              <a:gd name="connsiteY4" fmla="*/ 46032 h 603654"/>
+              <a:gd name="connsiteX5" fmla="*/ 3236675 w 4015003"/>
+              <a:gd name="connsiteY5" fmla="*/ 335592 h 603654"/>
+              <a:gd name="connsiteX6" fmla="*/ 3861515 w 4015003"/>
+              <a:gd name="connsiteY6" fmla="*/ 366072 h 603654"/>
+              <a:gd name="connsiteX7" fmla="*/ 3907235 w 4015003"/>
+              <a:gd name="connsiteY7" fmla="*/ 587052 h 603654"/>
+              <a:gd name="connsiteX8" fmla="*/ 66755 w 4015003"/>
+              <a:gd name="connsiteY8" fmla="*/ 594672 h 603654"/>
+              <a:gd name="connsiteX0" fmla="*/ 283396 w 4231644"/>
+              <a:gd name="connsiteY0" fmla="*/ 594672 h 616199"/>
+              <a:gd name="connsiteX1" fmla="*/ 428176 w 4231644"/>
+              <a:gd name="connsiteY1" fmla="*/ 373692 h 616199"/>
+              <a:gd name="connsiteX2" fmla="*/ 1555936 w 4231644"/>
+              <a:gd name="connsiteY2" fmla="*/ 343212 h 616199"/>
+              <a:gd name="connsiteX3" fmla="*/ 1845496 w 4231644"/>
+              <a:gd name="connsiteY3" fmla="*/ 30792 h 616199"/>
+              <a:gd name="connsiteX4" fmla="*/ 3316156 w 4231644"/>
+              <a:gd name="connsiteY4" fmla="*/ 46032 h 616199"/>
+              <a:gd name="connsiteX5" fmla="*/ 3453316 w 4231644"/>
+              <a:gd name="connsiteY5" fmla="*/ 335592 h 616199"/>
+              <a:gd name="connsiteX6" fmla="*/ 4078156 w 4231644"/>
+              <a:gd name="connsiteY6" fmla="*/ 366072 h 616199"/>
+              <a:gd name="connsiteX7" fmla="*/ 4123876 w 4231644"/>
+              <a:gd name="connsiteY7" fmla="*/ 587052 h 616199"/>
+              <a:gd name="connsiteX8" fmla="*/ 283396 w 4231644"/>
+              <a:gd name="connsiteY8" fmla="*/ 594672 h 616199"/>
+              <a:gd name="connsiteX0" fmla="*/ 266823 w 4215071"/>
+              <a:gd name="connsiteY0" fmla="*/ 594672 h 616199"/>
+              <a:gd name="connsiteX1" fmla="*/ 411603 w 4215071"/>
+              <a:gd name="connsiteY1" fmla="*/ 373692 h 616199"/>
+              <a:gd name="connsiteX2" fmla="*/ 1539363 w 4215071"/>
+              <a:gd name="connsiteY2" fmla="*/ 343212 h 616199"/>
+              <a:gd name="connsiteX3" fmla="*/ 1828923 w 4215071"/>
+              <a:gd name="connsiteY3" fmla="*/ 30792 h 616199"/>
+              <a:gd name="connsiteX4" fmla="*/ 3299583 w 4215071"/>
+              <a:gd name="connsiteY4" fmla="*/ 46032 h 616199"/>
+              <a:gd name="connsiteX5" fmla="*/ 3436743 w 4215071"/>
+              <a:gd name="connsiteY5" fmla="*/ 335592 h 616199"/>
+              <a:gd name="connsiteX6" fmla="*/ 4061583 w 4215071"/>
+              <a:gd name="connsiteY6" fmla="*/ 366072 h 616199"/>
+              <a:gd name="connsiteX7" fmla="*/ 4107303 w 4215071"/>
+              <a:gd name="connsiteY7" fmla="*/ 587052 h 616199"/>
+              <a:gd name="connsiteX8" fmla="*/ 266823 w 4215071"/>
+              <a:gd name="connsiteY8" fmla="*/ 594672 h 616199"/>
+              <a:gd name="connsiteX0" fmla="*/ 246197 w 4194445"/>
+              <a:gd name="connsiteY0" fmla="*/ 594672 h 617812"/>
+              <a:gd name="connsiteX1" fmla="*/ 459557 w 4194445"/>
+              <a:gd name="connsiteY1" fmla="*/ 350832 h 617812"/>
+              <a:gd name="connsiteX2" fmla="*/ 1518737 w 4194445"/>
+              <a:gd name="connsiteY2" fmla="*/ 343212 h 617812"/>
+              <a:gd name="connsiteX3" fmla="*/ 1808297 w 4194445"/>
+              <a:gd name="connsiteY3" fmla="*/ 30792 h 617812"/>
+              <a:gd name="connsiteX4" fmla="*/ 3278957 w 4194445"/>
+              <a:gd name="connsiteY4" fmla="*/ 46032 h 617812"/>
+              <a:gd name="connsiteX5" fmla="*/ 3416117 w 4194445"/>
+              <a:gd name="connsiteY5" fmla="*/ 335592 h 617812"/>
+              <a:gd name="connsiteX6" fmla="*/ 4040957 w 4194445"/>
+              <a:gd name="connsiteY6" fmla="*/ 366072 h 617812"/>
+              <a:gd name="connsiteX7" fmla="*/ 4086677 w 4194445"/>
+              <a:gd name="connsiteY7" fmla="*/ 587052 h 617812"/>
+              <a:gd name="connsiteX8" fmla="*/ 246197 w 4194445"/>
+              <a:gd name="connsiteY8" fmla="*/ 594672 h 617812"/>
+              <a:gd name="connsiteX0" fmla="*/ 262677 w 4203305"/>
+              <a:gd name="connsiteY0" fmla="*/ 602292 h 622808"/>
+              <a:gd name="connsiteX1" fmla="*/ 468417 w 4203305"/>
+              <a:gd name="connsiteY1" fmla="*/ 350832 h 622808"/>
+              <a:gd name="connsiteX2" fmla="*/ 1527597 w 4203305"/>
+              <a:gd name="connsiteY2" fmla="*/ 343212 h 622808"/>
+              <a:gd name="connsiteX3" fmla="*/ 1817157 w 4203305"/>
+              <a:gd name="connsiteY3" fmla="*/ 30792 h 622808"/>
+              <a:gd name="connsiteX4" fmla="*/ 3287817 w 4203305"/>
+              <a:gd name="connsiteY4" fmla="*/ 46032 h 622808"/>
+              <a:gd name="connsiteX5" fmla="*/ 3424977 w 4203305"/>
+              <a:gd name="connsiteY5" fmla="*/ 335592 h 622808"/>
+              <a:gd name="connsiteX6" fmla="*/ 4049817 w 4203305"/>
+              <a:gd name="connsiteY6" fmla="*/ 366072 h 622808"/>
+              <a:gd name="connsiteX7" fmla="*/ 4095537 w 4203305"/>
+              <a:gd name="connsiteY7" fmla="*/ 587052 h 622808"/>
+              <a:gd name="connsiteX8" fmla="*/ 262677 w 4203305"/>
+              <a:gd name="connsiteY8" fmla="*/ 602292 h 622808"/>
+              <a:gd name="connsiteX0" fmla="*/ 90625 w 4031253"/>
+              <a:gd name="connsiteY0" fmla="*/ 602292 h 603859"/>
+              <a:gd name="connsiteX1" fmla="*/ 296365 w 4031253"/>
+              <a:gd name="connsiteY1" fmla="*/ 350832 h 603859"/>
+              <a:gd name="connsiteX2" fmla="*/ 1355545 w 4031253"/>
+              <a:gd name="connsiteY2" fmla="*/ 343212 h 603859"/>
+              <a:gd name="connsiteX3" fmla="*/ 1645105 w 4031253"/>
+              <a:gd name="connsiteY3" fmla="*/ 30792 h 603859"/>
+              <a:gd name="connsiteX4" fmla="*/ 3115765 w 4031253"/>
+              <a:gd name="connsiteY4" fmla="*/ 46032 h 603859"/>
+              <a:gd name="connsiteX5" fmla="*/ 3252925 w 4031253"/>
+              <a:gd name="connsiteY5" fmla="*/ 335592 h 603859"/>
+              <a:gd name="connsiteX6" fmla="*/ 3877765 w 4031253"/>
+              <a:gd name="connsiteY6" fmla="*/ 366072 h 603859"/>
+              <a:gd name="connsiteX7" fmla="*/ 3923485 w 4031253"/>
+              <a:gd name="connsiteY7" fmla="*/ 587052 h 603859"/>
+              <a:gd name="connsiteX8" fmla="*/ 90625 w 4031253"/>
+              <a:gd name="connsiteY8" fmla="*/ 602292 h 603859"/>
+              <a:gd name="connsiteX0" fmla="*/ 306922 w 4247550"/>
+              <a:gd name="connsiteY0" fmla="*/ 602292 h 623367"/>
+              <a:gd name="connsiteX1" fmla="*/ 383122 w 4247550"/>
+              <a:gd name="connsiteY1" fmla="*/ 343212 h 623367"/>
+              <a:gd name="connsiteX2" fmla="*/ 1571842 w 4247550"/>
+              <a:gd name="connsiteY2" fmla="*/ 343212 h 623367"/>
+              <a:gd name="connsiteX3" fmla="*/ 1861402 w 4247550"/>
+              <a:gd name="connsiteY3" fmla="*/ 30792 h 623367"/>
+              <a:gd name="connsiteX4" fmla="*/ 3332062 w 4247550"/>
+              <a:gd name="connsiteY4" fmla="*/ 46032 h 623367"/>
+              <a:gd name="connsiteX5" fmla="*/ 3469222 w 4247550"/>
+              <a:gd name="connsiteY5" fmla="*/ 335592 h 623367"/>
+              <a:gd name="connsiteX6" fmla="*/ 4094062 w 4247550"/>
+              <a:gd name="connsiteY6" fmla="*/ 366072 h 623367"/>
+              <a:gd name="connsiteX7" fmla="*/ 4139782 w 4247550"/>
+              <a:gd name="connsiteY7" fmla="*/ 587052 h 623367"/>
+              <a:gd name="connsiteX8" fmla="*/ 306922 w 4247550"/>
+              <a:gd name="connsiteY8" fmla="*/ 602292 h 623367"/>
+              <a:gd name="connsiteX0" fmla="*/ 299397 w 4240025"/>
+              <a:gd name="connsiteY0" fmla="*/ 602292 h 623367"/>
+              <a:gd name="connsiteX1" fmla="*/ 375597 w 4240025"/>
+              <a:gd name="connsiteY1" fmla="*/ 343212 h 623367"/>
+              <a:gd name="connsiteX2" fmla="*/ 1564317 w 4240025"/>
+              <a:gd name="connsiteY2" fmla="*/ 343212 h 623367"/>
+              <a:gd name="connsiteX3" fmla="*/ 1853877 w 4240025"/>
+              <a:gd name="connsiteY3" fmla="*/ 30792 h 623367"/>
+              <a:gd name="connsiteX4" fmla="*/ 3324537 w 4240025"/>
+              <a:gd name="connsiteY4" fmla="*/ 46032 h 623367"/>
+              <a:gd name="connsiteX5" fmla="*/ 3461697 w 4240025"/>
+              <a:gd name="connsiteY5" fmla="*/ 335592 h 623367"/>
+              <a:gd name="connsiteX6" fmla="*/ 4086537 w 4240025"/>
+              <a:gd name="connsiteY6" fmla="*/ 366072 h 623367"/>
+              <a:gd name="connsiteX7" fmla="*/ 4132257 w 4240025"/>
+              <a:gd name="connsiteY7" fmla="*/ 587052 h 623367"/>
+              <a:gd name="connsiteX8" fmla="*/ 299397 w 4240025"/>
+              <a:gd name="connsiteY8" fmla="*/ 602292 h 623367"/>
+              <a:gd name="connsiteX0" fmla="*/ 147903 w 4088531"/>
+              <a:gd name="connsiteY0" fmla="*/ 602292 h 607073"/>
+              <a:gd name="connsiteX1" fmla="*/ 224103 w 4088531"/>
+              <a:gd name="connsiteY1" fmla="*/ 343212 h 607073"/>
+              <a:gd name="connsiteX2" fmla="*/ 1412823 w 4088531"/>
+              <a:gd name="connsiteY2" fmla="*/ 343212 h 607073"/>
+              <a:gd name="connsiteX3" fmla="*/ 1702383 w 4088531"/>
+              <a:gd name="connsiteY3" fmla="*/ 30792 h 607073"/>
+              <a:gd name="connsiteX4" fmla="*/ 3173043 w 4088531"/>
+              <a:gd name="connsiteY4" fmla="*/ 46032 h 607073"/>
+              <a:gd name="connsiteX5" fmla="*/ 3310203 w 4088531"/>
+              <a:gd name="connsiteY5" fmla="*/ 335592 h 607073"/>
+              <a:gd name="connsiteX6" fmla="*/ 3935043 w 4088531"/>
+              <a:gd name="connsiteY6" fmla="*/ 366072 h 607073"/>
+              <a:gd name="connsiteX7" fmla="*/ 3980763 w 4088531"/>
+              <a:gd name="connsiteY7" fmla="*/ 587052 h 607073"/>
+              <a:gd name="connsiteX8" fmla="*/ 147903 w 4088531"/>
+              <a:gd name="connsiteY8" fmla="*/ 602292 h 607073"/>
+            </a:gdLst>
+            <a:ahLst/>
+            <a:cxnLst>
+              <a:cxn ang="0">
+                <a:pos x="connsiteX0" y="connsiteY0"/>
+              </a:cxn>
+              <a:cxn ang="0">
+                <a:pos x="connsiteX1" y="connsiteY1"/>
+              </a:cxn>
+              <a:cxn ang="0">
+                <a:pos x="connsiteX2" y="connsiteY2"/>
+              </a:cxn>
+              <a:cxn ang="0">
+                <a:pos x="connsiteX3" y="connsiteY3"/>
+              </a:cxn>
+              <a:cxn ang="0">
+                <a:pos x="connsiteX4" y="connsiteY4"/>
+              </a:cxn>
+              <a:cxn ang="0">
+                <a:pos x="connsiteX5" y="connsiteY5"/>
+              </a:cxn>
+              <a:cxn ang="0">
+                <a:pos x="connsiteX6" y="connsiteY6"/>
+              </a:cxn>
+              <a:cxn ang="0">
+                <a:pos x="connsiteX7" y="connsiteY7"/>
+              </a:cxn>
+              <a:cxn ang="0">
+                <a:pos x="connsiteX8" y="connsiteY8"/>
+              </a:cxn>
+            </a:cxnLst>
+            <a:rect l="l" t="t" r="r" b="b"/>
+            <a:pathLst>
+              <a:path w="4088531" h="607073">
+                <a:moveTo>
+                  <a:pt x="147903" y="602292"/>
+                </a:moveTo>
+                <a:cubicBezTo>
+                  <a:pt x="-135307" y="599752"/>
+                  <a:pt x="43763" y="340672"/>
+                  <a:pt x="224103" y="343212"/>
+                </a:cubicBezTo>
+                <a:cubicBezTo>
+                  <a:pt x="404443" y="345752"/>
+                  <a:pt x="1166443" y="395282"/>
+                  <a:pt x="1412823" y="343212"/>
+                </a:cubicBezTo>
+                <a:cubicBezTo>
+                  <a:pt x="1659203" y="291142"/>
+                  <a:pt x="1409013" y="80322"/>
+                  <a:pt x="1702383" y="30792"/>
+                </a:cubicBezTo>
+                <a:cubicBezTo>
+                  <a:pt x="1995753" y="-18738"/>
+                  <a:pt x="2905073" y="-4768"/>
+                  <a:pt x="3173043" y="46032"/>
+                </a:cubicBezTo>
+                <a:cubicBezTo>
+                  <a:pt x="3441013" y="96832"/>
+                  <a:pt x="3183203" y="282252"/>
+                  <a:pt x="3310203" y="335592"/>
+                </a:cubicBezTo>
+                <a:cubicBezTo>
+                  <a:pt x="3437203" y="388932"/>
+                  <a:pt x="3785183" y="369882"/>
+                  <a:pt x="3935043" y="366072"/>
+                </a:cubicBezTo>
+                <a:cubicBezTo>
+                  <a:pt x="4084903" y="362262"/>
+                  <a:pt x="4167453" y="575622"/>
+                  <a:pt x="3980763" y="587052"/>
+                </a:cubicBezTo>
+                <a:cubicBezTo>
+                  <a:pt x="3345763" y="617532"/>
+                  <a:pt x="431113" y="604832"/>
+                  <a:pt x="147903" y="602292"/>
+                </a:cubicBezTo>
+                <a:close/>
+              </a:path>
+            </a:pathLst>
+          </a:custGeom>
+          <a:noFill/>
+          <a:ln w="28575">
+            <a:solidFill>
+              <a:srgbClr val="FF0000"/>
+            </a:solidFill>
+          </a:ln>
+          <a:effectLst/>
+        </p:spPr>
+        <p:style>
+          <a:lnRef idx="2">
+            <a:schemeClr val="accent1">
+              <a:shade val="50000"/>
+            </a:schemeClr>
+          </a:lnRef>
+          <a:fillRef idx="1">
+            <a:schemeClr val="accent1"/>
+          </a:fillRef>
+          <a:effectRef idx="0">
+            <a:schemeClr val="accent1"/>
+          </a:effectRef>
+          <a:fontRef idx="minor">
+            <a:schemeClr val="lt1"/>
+          </a:fontRef>
+        </p:style>
+        <p:txBody>
+          <a:bodyPr rtlCol="0" anchor="ctr"/>
+          <a:lstStyle/>
+          <a:p>
+            <a:pPr algn="ctr"/>
+            <a:endParaRPr lang="en-US"/>
+          </a:p>
+        </p:txBody>
+      </p:sp>
+      <p:pic>
+        <p:nvPicPr>
+          <p:cNvPr id="7" name="Picture 6"/>
+          <p:cNvPicPr>
+            <a:picLocks noChangeAspect="1"/>
+          </p:cNvPicPr>
+          <p:nvPr/>
+        </p:nvPicPr>
+        <p:blipFill rotWithShape="1">
+          <a:blip r:embed="rId3" cstate="screen">
+            <a:extLst>
+              <a:ext uri="{28A0092B-C50C-407E-A947-70E740481C1C}">
+                <a14:useLocalDpi xmlns:a14="http://schemas.microsoft.com/office/drawing/2010/main"/>
+              </a:ext>
+            </a:extLst>
+          </a:blip>
+          <a:srcRect/>
+          <a:stretch/>
+        </p:blipFill>
+        <p:spPr>
+          <a:xfrm>
+            <a:off x="2044700" y="4659498"/>
+            <a:ext cx="4711700" cy="763402"/>
+          </a:xfrm>
+          <a:prstGeom prst="rect">
+            <a:avLst/>
+          </a:prstGeom>
+        </p:spPr>
+      </p:pic>
+    </p:spTree>
+    <p:extLst>
+      <p:ext uri="{BB962C8B-B14F-4D97-AF65-F5344CB8AC3E}">
+        <p14:creationId xmlns:p14="http://schemas.microsoft.com/office/powerpoint/2010/main" val="4237281419"/>
+      </p:ext>
+    </p:extLst>
+  </p:cSld>
+  <p:clrMapOvr>
+    <a:masterClrMapping/>
+  </p:clrMapOvr>
+</p:sld>
+</file>
+
+<file path=ppt/slides/slide14.xml><?xml version="1.0" encoding="utf-8"?>
+<p:sld xmlns:a="http://schemas.openxmlformats.org/drawingml/2006/main" xmlns:r="http://schemas.openxmlformats.org/officeDocument/2006/relationships" xmlns:p="http://schemas.openxmlformats.org/presentationml/2006/main">
+  <p:cSld>
+    <p:spTree>
+      <p:nvGrpSpPr>
+        <p:cNvPr id="1" name=""/>
+        <p:cNvGrpSpPr/>
+        <p:nvPr/>
+      </p:nvGrpSpPr>
+      <p:grpSpPr>
+        <a:xfrm>
+          <a:off x="0" y="0"/>
+          <a:ext cx="0" cy="0"/>
+          <a:chOff x="0" y="0"/>
+          <a:chExt cx="0" cy="0"/>
+        </a:xfrm>
+      </p:grpSpPr>
+      <p:pic>
+        <p:nvPicPr>
+          <p:cNvPr id="3" name="Picture 2"/>
+          <p:cNvPicPr>
+            <a:picLocks noChangeAspect="1"/>
+          </p:cNvPicPr>
+          <p:nvPr/>
+        </p:nvPicPr>
+        <p:blipFill rotWithShape="1">
+          <a:blip r:embed="rId2"/>
+          <a:srcRect l="10603" t="15409" r="33914" b="5980"/>
+          <a:stretch/>
+        </p:blipFill>
+        <p:spPr>
+          <a:xfrm>
+            <a:off x="2920181" y="-2654710"/>
+            <a:ext cx="6341806" cy="11680723"/>
+          </a:xfrm>
+          <a:prstGeom prst="rect">
+            <a:avLst/>
+          </a:prstGeom>
+        </p:spPr>
+      </p:pic>
+      <p:sp>
+        <p:nvSpPr>
+          <p:cNvPr id="4" name="Oval 3"/>
+          <p:cNvSpPr/>
+          <p:nvPr/>
+        </p:nvSpPr>
+        <p:spPr>
+          <a:xfrm>
+            <a:off x="5041558" y="2702012"/>
+            <a:ext cx="2158312" cy="2158312"/>
+          </a:xfrm>
+          <a:prstGeom prst="ellipse">
+            <a:avLst/>
+          </a:prstGeom>
+          <a:noFill/>
+          <a:ln w="57150">
+            <a:solidFill>
+              <a:srgbClr val="FF0000"/>
+            </a:solidFill>
+          </a:ln>
+        </p:spPr>
+        <p:style>
+          <a:lnRef idx="2">
+            <a:schemeClr val="accent1">
+              <a:shade val="50000"/>
+            </a:schemeClr>
+          </a:lnRef>
+          <a:fillRef idx="1">
+            <a:schemeClr val="accent1"/>
+          </a:fillRef>
+          <a:effectRef idx="0">
+            <a:schemeClr val="accent1"/>
+          </a:effectRef>
+          <a:fontRef idx="minor">
+            <a:schemeClr val="lt1"/>
+          </a:fontRef>
+        </p:style>
+        <p:txBody>
+          <a:bodyPr rtlCol="0" anchor="ctr"/>
+          <a:lstStyle/>
+          <a:p>
+            <a:pPr algn="ctr"/>
+            <a:endParaRPr lang="en-US"/>
+          </a:p>
+        </p:txBody>
+      </p:sp>
+      <p:pic>
+        <p:nvPicPr>
+          <p:cNvPr id="5" name="Picture 4"/>
+          <p:cNvPicPr>
+            <a:picLocks noChangeAspect="1"/>
+          </p:cNvPicPr>
+          <p:nvPr/>
+        </p:nvPicPr>
+        <p:blipFill rotWithShape="1">
+          <a:blip r:embed="rId3" cstate="print">
+            <a:extLst>
+              <a:ext uri="{28A0092B-C50C-407E-A947-70E740481C1C}">
+                <a14:useLocalDpi xmlns:a14="http://schemas.microsoft.com/office/drawing/2010/main"/>
+              </a:ext>
+            </a:extLst>
+          </a:blip>
+          <a:srcRect/>
+          <a:stretch/>
+        </p:blipFill>
+        <p:spPr>
+          <a:xfrm>
+            <a:off x="250756" y="1334143"/>
+            <a:ext cx="1940902" cy="3550866"/>
+          </a:xfrm>
+          <a:prstGeom prst="rect">
+            <a:avLst/>
+          </a:prstGeom>
+        </p:spPr>
+      </p:pic>
+    </p:spTree>
+    <p:extLst>
+      <p:ext uri="{BB962C8B-B14F-4D97-AF65-F5344CB8AC3E}">
+        <p14:creationId xmlns:p14="http://schemas.microsoft.com/office/powerpoint/2010/main" val="1550821210"/>
+      </p:ext>
+    </p:extLst>
+  </p:cSld>
+  <p:clrMapOvr>
+    <a:masterClrMapping/>
+  </p:clrMapOvr>
+</p:sld>
+</file>
+
+<file path=ppt/slides/slide15.xml><?xml version="1.0" encoding="utf-8"?>
+<p:sld xmlns:a="http://schemas.openxmlformats.org/drawingml/2006/main" xmlns:r="http://schemas.openxmlformats.org/officeDocument/2006/relationships" xmlns:p="http://schemas.openxmlformats.org/presentationml/2006/main">
+  <p:cSld>
+    <p:spTree>
+      <p:nvGrpSpPr>
+        <p:cNvPr id="1" name=""/>
+        <p:cNvGrpSpPr/>
+        <p:nvPr/>
+      </p:nvGrpSpPr>
+      <p:grpSpPr>
+        <a:xfrm>
+          <a:off x="0" y="0"/>
+          <a:ext cx="0" cy="0"/>
+          <a:chOff x="0" y="0"/>
+          <a:chExt cx="0" cy="0"/>
+        </a:xfrm>
+      </p:grpSpPr>
+      <p:pic>
+        <p:nvPicPr>
+          <p:cNvPr id="2" name="Picture 1"/>
+          <p:cNvPicPr>
+            <a:picLocks noChangeAspect="1"/>
+          </p:cNvPicPr>
+          <p:nvPr/>
+        </p:nvPicPr>
+        <p:blipFill rotWithShape="1">
+          <a:blip r:embed="rId2"/>
+          <a:srcRect l="12151" t="27519" r="24624" b="10346"/>
+          <a:stretch/>
+        </p:blipFill>
+        <p:spPr>
+          <a:xfrm>
+            <a:off x="1917290" y="-1622323"/>
+            <a:ext cx="7226710" cy="9232491"/>
+          </a:xfrm>
+          <a:prstGeom prst="rect">
+            <a:avLst/>
+          </a:prstGeom>
+        </p:spPr>
+      </p:pic>
+      <p:sp>
+        <p:nvSpPr>
+          <p:cNvPr id="3" name="TextBox 2"/>
+          <p:cNvSpPr txBox="1"/>
+          <p:nvPr/>
+        </p:nvSpPr>
+        <p:spPr>
+          <a:xfrm>
+            <a:off x="9468465" y="2595716"/>
+            <a:ext cx="31745422" cy="369332"/>
+          </a:xfrm>
+          <a:prstGeom prst="rect">
+            <a:avLst/>
+          </a:prstGeom>
+          <a:noFill/>
+        </p:spPr>
+        <p:txBody>
+          <a:bodyPr wrap="none" rtlCol="0">
+            <a:spAutoFit/>
+          </a:bodyPr>
+          <a:lstStyle/>
+          <a:p>
+            <a:r>
+              <a:rPr lang="en-US" dirty="0"/>
+              <a:t>http://people.oregonstate.edu/~campmatt/pmks/pmks.html?ts=m5 5v50h5v-5h-5zm-20 -10v50h5v-5h-5zm50 15h50v-5h-5v5&amp;mech=ground input R -110 250 0 </a:t>
+            </a:r>
+            <a:r>
+              <a:rPr lang="en-US" dirty="0" err="1"/>
+              <a:t>tfff|input</a:t>
+            </a:r>
+            <a:r>
+              <a:rPr lang="en-US" dirty="0"/>
+              <a:t> coupler R 5 -4.3 0 </a:t>
+            </a:r>
+            <a:r>
+              <a:rPr lang="en-US" dirty="0" err="1"/>
+              <a:t>tfff|coupler</a:t>
+            </a:r>
+            <a:r>
+              <a:rPr lang="en-US" dirty="0"/>
+              <a:t> output R 4.6 55 0 </a:t>
+            </a:r>
+            <a:r>
+              <a:rPr lang="en-US" dirty="0" err="1"/>
+              <a:t>tfff|output</a:t>
+            </a:r>
+            <a:r>
+              <a:rPr lang="en-US" dirty="0"/>
+              <a:t> ground R 25.5 -3 0 </a:t>
+            </a:r>
+            <a:r>
+              <a:rPr lang="en-US" dirty="0" err="1"/>
+              <a:t>tfff|input</a:t>
+            </a:r>
+            <a:r>
+              <a:rPr lang="en-US" dirty="0"/>
+              <a:t> c2 R -45.5 106.5 0 tfff|c2 crank R -1.6 91 0 </a:t>
+            </a:r>
+            <a:r>
+              <a:rPr lang="en-US" dirty="0" err="1"/>
+              <a:t>tfff|crank</a:t>
+            </a:r>
+            <a:r>
+              <a:rPr lang="en-US" dirty="0"/>
+              <a:t> ground R 1 104.5 0 </a:t>
+            </a:r>
+            <a:r>
+              <a:rPr lang="en-US" dirty="0" err="1"/>
+              <a:t>tfft</a:t>
+            </a:r>
+            <a:r>
+              <a:rPr lang="en-US" dirty="0"/>
+              <a:t>|</a:t>
+            </a:r>
+          </a:p>
+        </p:txBody>
+      </p:sp>
+      <p:sp>
+        <p:nvSpPr>
+          <p:cNvPr id="4" name="Rectangle 3"/>
+          <p:cNvSpPr/>
+          <p:nvPr/>
+        </p:nvSpPr>
+        <p:spPr>
+          <a:xfrm>
+            <a:off x="288606" y="3720142"/>
+            <a:ext cx="6096000" cy="2308324"/>
+          </a:xfrm>
+          <a:prstGeom prst="rect">
+            <a:avLst/>
+          </a:prstGeom>
+        </p:spPr>
+        <p:txBody>
+          <a:bodyPr>
+            <a:spAutoFit/>
+          </a:bodyPr>
+          <a:lstStyle/>
+          <a:p>
+            <a:r>
+              <a:rPr lang="en-US" dirty="0"/>
+              <a:t>http://people.oregonstate.edu/~campmatt/pmks/pmks.html?ts=m5 5v50h5v-5h-5zm-20 -10v50h5v-5h-5zm50 15h50v-5h-5v5&amp;mech</a:t>
+            </a:r>
+            <a:r>
+              <a:rPr lang="en-US" dirty="0" smtClean="0"/>
+              <a:t>=</a:t>
+            </a:r>
+          </a:p>
+          <a:p>
+            <a:r>
+              <a:rPr lang="en-US" dirty="0" smtClean="0"/>
+              <a:t>ground </a:t>
+            </a:r>
+            <a:r>
+              <a:rPr lang="en-US" dirty="0"/>
+              <a:t>input R -110 250 0 </a:t>
+            </a:r>
+            <a:r>
+              <a:rPr lang="en-US" dirty="0" err="1"/>
+              <a:t>tfff</a:t>
+            </a:r>
+            <a:r>
+              <a:rPr lang="en-US" dirty="0" smtClean="0"/>
+              <a:t>|</a:t>
+            </a:r>
+          </a:p>
+          <a:p>
+            <a:r>
+              <a:rPr lang="en-US" dirty="0" smtClean="0"/>
+              <a:t>input </a:t>
+            </a:r>
+            <a:r>
+              <a:rPr lang="en-US" dirty="0"/>
+              <a:t>coupler R 5 -4.3 0 </a:t>
+            </a:r>
+            <a:r>
+              <a:rPr lang="en-US" dirty="0" err="1"/>
+              <a:t>tfff</a:t>
+            </a:r>
+            <a:r>
+              <a:rPr lang="en-US" dirty="0" smtClean="0"/>
+              <a:t>|</a:t>
+            </a:r>
+          </a:p>
+          <a:p>
+            <a:r>
+              <a:rPr lang="en-US" dirty="0" smtClean="0"/>
+              <a:t>coupler </a:t>
+            </a:r>
+            <a:r>
+              <a:rPr lang="en-US" dirty="0"/>
+              <a:t>output R 4.6 55 0 </a:t>
+            </a:r>
+            <a:r>
+              <a:rPr lang="en-US" dirty="0" err="1"/>
+              <a:t>tfff|output</a:t>
+            </a:r>
+            <a:r>
+              <a:rPr lang="en-US" dirty="0"/>
+              <a:t> ground R 25.5 -3 0 </a:t>
+            </a:r>
+            <a:r>
+              <a:rPr lang="en-US" dirty="0" err="1"/>
+              <a:t>tfff|input</a:t>
+            </a:r>
+            <a:r>
+              <a:rPr lang="en-US" dirty="0"/>
+              <a:t> c2 R -45.5 106.5 0 tfff|c2 crank R -1.6 91 0 </a:t>
+            </a:r>
+            <a:r>
+              <a:rPr lang="en-US" dirty="0" err="1"/>
+              <a:t>tfff|crank</a:t>
+            </a:r>
+            <a:r>
+              <a:rPr lang="en-US" dirty="0"/>
+              <a:t> ground R 1 104.5 0 </a:t>
+            </a:r>
+            <a:r>
+              <a:rPr lang="en-US" dirty="0" err="1"/>
+              <a:t>tfft</a:t>
+            </a:r>
+            <a:r>
+              <a:rPr lang="en-US" dirty="0"/>
+              <a:t>|</a:t>
+            </a:r>
+          </a:p>
+        </p:txBody>
+      </p:sp>
+      <p:pic>
+        <p:nvPicPr>
+          <p:cNvPr id="6" name="Picture 5"/>
+          <p:cNvPicPr>
+            <a:picLocks noChangeAspect="1"/>
+          </p:cNvPicPr>
+          <p:nvPr/>
+        </p:nvPicPr>
+        <p:blipFill rotWithShape="1">
+          <a:blip r:embed="rId3" cstate="print">
+            <a:extLst>
+              <a:ext uri="{28A0092B-C50C-407E-A947-70E740481C1C}">
+                <a14:useLocalDpi xmlns:a14="http://schemas.microsoft.com/office/drawing/2010/main"/>
+              </a:ext>
+            </a:extLst>
+          </a:blip>
+          <a:srcRect/>
+          <a:stretch/>
+        </p:blipFill>
+        <p:spPr>
+          <a:xfrm>
+            <a:off x="10174916" y="1203515"/>
+            <a:ext cx="2779431" cy="3550866"/>
+          </a:xfrm>
+          <a:prstGeom prst="rect">
+            <a:avLst/>
+          </a:prstGeom>
+        </p:spPr>
+      </p:pic>
+    </p:spTree>
+    <p:extLst>
+      <p:ext uri="{BB962C8B-B14F-4D97-AF65-F5344CB8AC3E}">
+        <p14:creationId xmlns:p14="http://schemas.microsoft.com/office/powerpoint/2010/main" val="3945128770"/>
+      </p:ext>
+    </p:extLst>
+  </p:cSld>
+  <p:clrMapOvr>
+    <a:masterClrMapping/>
+  </p:clrMapOvr>
+</p:sld>
+</file>
+
+<file path=ppt/slides/slide16.xml><?xml version="1.0" encoding="utf-8"?>
+<p:sld xmlns:a="http://schemas.openxmlformats.org/drawingml/2006/main" xmlns:r="http://schemas.openxmlformats.org/officeDocument/2006/relationships" xmlns:p="http://schemas.openxmlformats.org/presentationml/2006/main">
+  <p:cSld>
+    <p:spTree>
+      <p:nvGrpSpPr>
+        <p:cNvPr id="1" name=""/>
+        <p:cNvGrpSpPr/>
+        <p:nvPr/>
+      </p:nvGrpSpPr>
+      <p:grpSpPr>
+        <a:xfrm>
+          <a:off x="0" y="0"/>
+          <a:ext cx="0" cy="0"/>
+          <a:chOff x="0" y="0"/>
+          <a:chExt cx="0" cy="0"/>
+        </a:xfrm>
+      </p:grpSpPr>
+      <p:pic>
+        <p:nvPicPr>
+          <p:cNvPr id="2" name="Picture 1"/>
+          <p:cNvPicPr>
+            <a:picLocks noChangeAspect="1"/>
+          </p:cNvPicPr>
+          <p:nvPr/>
+        </p:nvPicPr>
+        <p:blipFill rotWithShape="1">
+          <a:blip r:embed="rId2"/>
+          <a:srcRect r="40428" b="56934"/>
+          <a:stretch/>
+        </p:blipFill>
+        <p:spPr>
+          <a:xfrm>
+            <a:off x="3290888" y="1309687"/>
+            <a:ext cx="3342142" cy="1825399"/>
+          </a:xfrm>
+          <a:prstGeom prst="rect">
+            <a:avLst/>
+          </a:prstGeom>
+        </p:spPr>
+      </p:pic>
+      <p:sp>
+        <p:nvSpPr>
+          <p:cNvPr id="3" name="Oval 2"/>
+          <p:cNvSpPr/>
+          <p:nvPr/>
+        </p:nvSpPr>
+        <p:spPr>
+          <a:xfrm>
+            <a:off x="3549968" y="2377440"/>
+            <a:ext cx="2225992" cy="236220"/>
+          </a:xfrm>
+          <a:prstGeom prst="ellipse">
+            <a:avLst/>
+          </a:prstGeom>
+          <a:noFill/>
+          <a:ln w="28575">
+            <a:solidFill>
+              <a:srgbClr val="FF0000"/>
+            </a:solidFill>
+          </a:ln>
+        </p:spPr>
+        <p:style>
+          <a:lnRef idx="2">
+            <a:schemeClr val="accent1">
+              <a:shade val="50000"/>
+            </a:schemeClr>
+          </a:lnRef>
+          <a:fillRef idx="1">
+            <a:schemeClr val="accent1"/>
+          </a:fillRef>
+          <a:effectRef idx="0">
+            <a:schemeClr val="accent1"/>
+          </a:effectRef>
+          <a:fontRef idx="minor">
+            <a:schemeClr val="lt1"/>
+          </a:fontRef>
+        </p:style>
+        <p:txBody>
+          <a:bodyPr rtlCol="0" anchor="ctr"/>
+          <a:lstStyle/>
+          <a:p>
+            <a:pPr algn="ctr"/>
+            <a:endParaRPr lang="en-US"/>
+          </a:p>
+        </p:txBody>
+      </p:sp>
+      <p:pic>
+        <p:nvPicPr>
+          <p:cNvPr id="4" name="Picture 3"/>
+          <p:cNvPicPr>
+            <a:picLocks noChangeAspect="1"/>
+          </p:cNvPicPr>
+          <p:nvPr/>
+        </p:nvPicPr>
+        <p:blipFill rotWithShape="1">
+          <a:blip r:embed="rId3"/>
+          <a:srcRect l="22738" t="20334" r="36666" b="44106"/>
+          <a:stretch/>
+        </p:blipFill>
+        <p:spPr>
+          <a:xfrm>
+            <a:off x="3473823" y="4272802"/>
+            <a:ext cx="3248086" cy="1724029"/>
+          </a:xfrm>
+          <a:prstGeom prst="rect">
+            <a:avLst/>
+          </a:prstGeom>
+        </p:spPr>
+      </p:pic>
+    </p:spTree>
+    <p:extLst>
+      <p:ext uri="{BB962C8B-B14F-4D97-AF65-F5344CB8AC3E}">
+        <p14:creationId xmlns:p14="http://schemas.microsoft.com/office/powerpoint/2010/main" val="1404432707"/>
+      </p:ext>
+    </p:extLst>
+  </p:cSld>
+  <p:clrMapOvr>
+    <a:masterClrMapping/>
+  </p:clrMapOvr>
+</p:sld>
+</file>
+
+<file path=ppt/slides/slide17.xml><?xml version="1.0" encoding="utf-8"?>
+<p:sld xmlns:a="http://schemas.openxmlformats.org/drawingml/2006/main" xmlns:r="http://schemas.openxmlformats.org/officeDocument/2006/relationships" xmlns:p="http://schemas.openxmlformats.org/presentationml/2006/main">
+  <p:cSld>
+    <p:spTree>
+      <p:nvGrpSpPr>
+        <p:cNvPr id="1" name=""/>
+        <p:cNvGrpSpPr/>
+        <p:nvPr/>
+      </p:nvGrpSpPr>
+      <p:grpSpPr>
+        <a:xfrm>
+          <a:off x="0" y="0"/>
+          <a:ext cx="0" cy="0"/>
+          <a:chOff x="0" y="0"/>
+          <a:chExt cx="0" cy="0"/>
+        </a:xfrm>
+      </p:grpSpPr>
+      <p:pic>
+        <p:nvPicPr>
+          <p:cNvPr id="2" name="Picture 1"/>
+          <p:cNvPicPr>
+            <a:picLocks noChangeAspect="1"/>
+          </p:cNvPicPr>
+          <p:nvPr/>
+        </p:nvPicPr>
+        <p:blipFill rotWithShape="1">
+          <a:blip r:embed="rId2" cstate="screen">
+            <a:extLst>
+              <a:ext uri="{28A0092B-C50C-407E-A947-70E740481C1C}">
+                <a14:useLocalDpi xmlns:a14="http://schemas.microsoft.com/office/drawing/2010/main"/>
+              </a:ext>
+            </a:extLst>
+          </a:blip>
+          <a:srcRect/>
+          <a:stretch/>
+        </p:blipFill>
+        <p:spPr>
+          <a:xfrm>
+            <a:off x="4071784" y="2999176"/>
+            <a:ext cx="4054450" cy="1426905"/>
+          </a:xfrm>
+          <a:prstGeom prst="rect">
+            <a:avLst/>
+          </a:prstGeom>
+        </p:spPr>
+      </p:pic>
+      <p:pic>
+        <p:nvPicPr>
+          <p:cNvPr id="3" name="Picture 2"/>
+          <p:cNvPicPr>
+            <a:picLocks noChangeAspect="1"/>
+          </p:cNvPicPr>
+          <p:nvPr/>
+        </p:nvPicPr>
+        <p:blipFill rotWithShape="1">
+          <a:blip r:embed="rId3" cstate="screen">
+            <a:extLst>
+              <a:ext uri="{28A0092B-C50C-407E-A947-70E740481C1C}">
+                <a14:useLocalDpi xmlns:a14="http://schemas.microsoft.com/office/drawing/2010/main"/>
+              </a:ext>
+            </a:extLst>
+          </a:blip>
+          <a:srcRect r="8553"/>
+          <a:stretch/>
+        </p:blipFill>
+        <p:spPr>
+          <a:xfrm>
+            <a:off x="4071784" y="1630164"/>
+            <a:ext cx="4054449" cy="1311385"/>
+          </a:xfrm>
+          <a:prstGeom prst="rect">
+            <a:avLst/>
+          </a:prstGeom>
+        </p:spPr>
+      </p:pic>
+    </p:spTree>
+    <p:extLst>
+      <p:ext uri="{BB962C8B-B14F-4D97-AF65-F5344CB8AC3E}">
+        <p14:creationId xmlns:p14="http://schemas.microsoft.com/office/powerpoint/2010/main" val="700576037"/>
       </p:ext>
     </p:extLst>
   </p:cSld>
